--- a/WH_chapter7/2023_Warm-coolCore_Vortices_structurelab.pptx
+++ b/WH_chapter7/2023_Warm-coolCore_Vortices_structurelab.pptx
@@ -248,7 +248,7 @@
             <a:fld id="{303A25DF-298F-2F48-9812-E0BE0E8CF350}" type="datetimeFigureOut">
               <a:rPr lang="en-US"/>
               <a:pPr/>
-              <a:t>9/26/23</a:t>
+              <a:t>9/23/24</a:t>
             </a:fld>
             <a:endParaRPr lang="en-US"/>
           </a:p>
@@ -1981,7 +1981,7 @@
             <a:fld id="{00150193-55E4-421C-9F92-3304CC3C3F97}" type="datetimeFigureOut">
               <a:rPr lang="en-US" smtClean="0"/>
               <a:pPr/>
-              <a:t>9/26/23</a:t>
+              <a:t>9/23/24</a:t>
             </a:fld>
             <a:endParaRPr lang="en-US"/>
           </a:p>
@@ -2151,7 +2151,7 @@
             <a:fld id="{00150193-55E4-421C-9F92-3304CC3C3F97}" type="datetimeFigureOut">
               <a:rPr lang="en-US" smtClean="0"/>
               <a:pPr/>
-              <a:t>9/26/23</a:t>
+              <a:t>9/23/24</a:t>
             </a:fld>
             <a:endParaRPr lang="en-US"/>
           </a:p>
@@ -2331,7 +2331,7 @@
             <a:fld id="{00150193-55E4-421C-9F92-3304CC3C3F97}" type="datetimeFigureOut">
               <a:rPr lang="en-US" smtClean="0"/>
               <a:pPr/>
-              <a:t>9/26/23</a:t>
+              <a:t>9/23/24</a:t>
             </a:fld>
             <a:endParaRPr lang="en-US"/>
           </a:p>
@@ -3722,7 +3722,7 @@
             <a:fld id="{00150193-55E4-421C-9F92-3304CC3C3F97}" type="datetimeFigureOut">
               <a:rPr lang="en-US" smtClean="0"/>
               <a:pPr/>
-              <a:t>9/26/23</a:t>
+              <a:t>9/23/24</a:t>
             </a:fld>
             <a:endParaRPr lang="en-US"/>
           </a:p>
@@ -4827,7 +4827,7 @@
             <a:fld id="{00150193-55E4-421C-9F92-3304CC3C3F97}" type="datetimeFigureOut">
               <a:rPr lang="en-US" smtClean="0"/>
               <a:pPr/>
-              <a:t>9/26/23</a:t>
+              <a:t>9/23/24</a:t>
             </a:fld>
             <a:endParaRPr lang="en-US"/>
           </a:p>
@@ -5114,7 +5114,7 @@
             <a:fld id="{00150193-55E4-421C-9F92-3304CC3C3F97}" type="datetimeFigureOut">
               <a:rPr lang="en-US" smtClean="0"/>
               <a:pPr/>
-              <a:t>9/26/23</a:t>
+              <a:t>9/23/24</a:t>
             </a:fld>
             <a:endParaRPr lang="en-US"/>
           </a:p>
@@ -5535,7 +5535,7 @@
             <a:fld id="{00150193-55E4-421C-9F92-3304CC3C3F97}" type="datetimeFigureOut">
               <a:rPr lang="en-US" smtClean="0"/>
               <a:pPr/>
-              <a:t>9/26/23</a:t>
+              <a:t>9/23/24</a:t>
             </a:fld>
             <a:endParaRPr lang="en-US"/>
           </a:p>
@@ -5654,7 +5654,7 @@
             <a:fld id="{00150193-55E4-421C-9F92-3304CC3C3F97}" type="datetimeFigureOut">
               <a:rPr lang="en-US" smtClean="0"/>
               <a:pPr/>
-              <a:t>9/26/23</a:t>
+              <a:t>9/23/24</a:t>
             </a:fld>
             <a:endParaRPr lang="en-US"/>
           </a:p>
@@ -5751,7 +5751,7 @@
             <a:fld id="{00150193-55E4-421C-9F92-3304CC3C3F97}" type="datetimeFigureOut">
               <a:rPr lang="en-US" smtClean="0"/>
               <a:pPr/>
-              <a:t>9/26/23</a:t>
+              <a:t>9/23/24</a:t>
             </a:fld>
             <a:endParaRPr lang="en-US"/>
           </a:p>
@@ -6028,7 +6028,7 @@
             <a:fld id="{00150193-55E4-421C-9F92-3304CC3C3F97}" type="datetimeFigureOut">
               <a:rPr lang="en-US" smtClean="0"/>
               <a:pPr/>
-              <a:t>9/26/23</a:t>
+              <a:t>9/23/24</a:t>
             </a:fld>
             <a:endParaRPr lang="en-US"/>
           </a:p>
@@ -6282,7 +6282,7 @@
             <a:fld id="{00150193-55E4-421C-9F92-3304CC3C3F97}" type="datetimeFigureOut">
               <a:rPr lang="en-US" smtClean="0"/>
               <a:pPr/>
-              <a:t>9/26/23</a:t>
+              <a:t>9/23/24</a:t>
             </a:fld>
             <a:endParaRPr lang="en-US"/>
           </a:p>
@@ -6495,7 +6495,7 @@
             <a:fld id="{00150193-55E4-421C-9F92-3304CC3C3F97}" type="datetimeFigureOut">
               <a:rPr lang="en-US" smtClean="0"/>
               <a:pPr/>
-              <a:t>9/26/23</a:t>
+              <a:t>9/23/24</a:t>
             </a:fld>
             <a:endParaRPr lang="en-US"/>
           </a:p>
@@ -12612,7 +12612,7 @@
         </p:spPr>
         <p:txBody>
           <a:bodyPr>
-            <a:normAutofit fontScale="85000" lnSpcReduction="20000"/>
+            <a:normAutofit fontScale="77500" lnSpcReduction="20000"/>
           </a:bodyPr>
           <a:lstStyle/>
           <a:p>
@@ -12786,7 +12786,7 @@
                   <a:srgbClr val="7030A0"/>
                 </a:solidFill>
               </a:rPr>
-              <a:t>warm and cool cores. </a:t>
+              <a:t>warm and cool cores above/below the level where the vorticity is strongest. </a:t>
             </a:r>
           </a:p>
         </p:txBody>
